--- a/product-pitch-template.pptx
+++ b/product-pitch-template.pptx
@@ -6,7 +6,7 @@
     <p:sldMasterId id="2147483676" r:id="rId2"/>
   </p:sldMasterIdLst>
   <p:notesMasterIdLst>
-    <p:notesMasterId r:id="rId21"/>
+    <p:notesMasterId r:id="rId22"/>
   </p:notesMasterIdLst>
   <p:sldIdLst>
     <p:sldId id="257" r:id="rId3"/>
@@ -27,16 +27,17 @@
     <p:sldId id="272" r:id="rId18"/>
     <p:sldId id="273" r:id="rId19"/>
     <p:sldId id="274" r:id="rId20"/>
+    <p:sldId id="275" r:id="rId21"/>
   </p:sldIdLst>
   <p:sldSz cx="9144000" cy="5143500" type="screen16x9"/>
   <p:notesSz cx="6858000" cy="9144000"/>
   <p:embeddedFontLst>
     <p:embeddedFont>
       <p:font typeface="Open Sans" panose="020B0604020202020204" charset="0"/>
-      <p:regular r:id="rId22"/>
-      <p:bold r:id="rId23"/>
-      <p:italic r:id="rId24"/>
-      <p:boldItalic r:id="rId25"/>
+      <p:regular r:id="rId23"/>
+      <p:bold r:id="rId24"/>
+      <p:italic r:id="rId25"/>
+      <p:boldItalic r:id="rId26"/>
     </p:embeddedFont>
   </p:embeddedFontLst>
   <p:defaultTextStyle>
@@ -21590,6 +21591,53 @@
           <a:chExt cx="0" cy="0"/>
         </a:xfrm>
       </p:grpSpPr>
+      <p:pic>
+        <p:nvPicPr>
+          <p:cNvPr id="3" name="Picture 2" descr="A screenshot of a cell phone&#10;&#10;Description automatically generated">
+            <a:extLst>
+              <a:ext uri="{FF2B5EF4-FFF2-40B4-BE49-F238E27FC236}">
+                <a16:creationId xmlns:a16="http://schemas.microsoft.com/office/drawing/2014/main" id="{D1666CC6-2CDA-4972-A752-1568D99F5799}"/>
+              </a:ext>
+            </a:extLst>
+          </p:cNvPr>
+          <p:cNvPicPr>
+            <a:picLocks noChangeAspect="1"/>
+          </p:cNvPicPr>
+          <p:nvPr/>
+        </p:nvPicPr>
+        <p:blipFill>
+          <a:blip r:embed="rId3"/>
+          <a:stretch>
+            <a:fillRect/>
+          </a:stretch>
+        </p:blipFill>
+        <p:spPr>
+          <a:xfrm>
+            <a:off x="7258050" y="2143125"/>
+            <a:ext cx="1885950" cy="2828925"/>
+          </a:xfrm>
+          <a:prstGeom prst="rect">
+            <a:avLst/>
+          </a:prstGeom>
+          <a:ln>
+            <a:noFill/>
+          </a:ln>
+          <a:effectLst>
+            <a:reflection blurRad="12700" stA="30000" endPos="30000" dist="5000" dir="5400000" sy="-100000" algn="bl" rotWithShape="0"/>
+          </a:effectLst>
+          <a:scene3d>
+            <a:camera prst="perspectiveContrastingLeftFacing">
+              <a:rot lat="300000" lon="19800000" rev="0"/>
+            </a:camera>
+            <a:lightRig rig="threePt" dir="t">
+              <a:rot lat="0" lon="0" rev="2700000"/>
+            </a:lightRig>
+          </a:scene3d>
+          <a:sp3d>
+            <a:bevelT w="63500" h="50800"/>
+          </a:sp3d>
+        </p:spPr>
+      </p:pic>
       <p:sp>
         <p:nvSpPr>
           <p:cNvPr id="209" name="Google Shape;209;p40"/>
@@ -21619,23 +21667,12 @@
           </a:bodyPr>
           <a:lstStyle/>
           <a:p>
-            <a:pPr marL="0" marR="0" lvl="0" indent="0" algn="l" rtl="0">
-              <a:lnSpc>
-                <a:spcPct val="100000"/>
-              </a:lnSpc>
-              <a:spcBef>
-                <a:spcPts val="0"/>
-              </a:spcBef>
-              <a:spcAft>
-                <a:spcPts val="0"/>
-              </a:spcAft>
-              <a:buClr>
-                <a:srgbClr val="02B3E4"/>
-              </a:buClr>
-              <a:buFont typeface="Open Sans"/>
-              <a:buNone/>
-            </a:pPr>
-            <a:endParaRPr sz="500" dirty="0"/>
+            <a:pPr marL="0" lvl="0" indent="0"/>
+            <a:r>
+              <a:rPr lang="en-US" sz="1400" dirty="0"/>
+              <a:t>WebMD is an American corporation known primarily as an online publisher of news and information pertaining to human health and well-being. The site includes information pertaining to drugs. It is one of the top healthcare websites by unique visitors. </a:t>
+            </a:r>
+            <a:endParaRPr sz="300" dirty="0"/>
           </a:p>
         </p:txBody>
       </p:sp>
@@ -21758,8 +21795,8 @@
         </p:nvSpPr>
         <p:spPr>
           <a:xfrm>
-            <a:off x="204200" y="1376450"/>
-            <a:ext cx="8482500" cy="2857500"/>
+            <a:off x="457200" y="1733425"/>
+            <a:ext cx="6870150" cy="2857500"/>
           </a:xfrm>
           <a:prstGeom prst="rect">
             <a:avLst/>
@@ -21775,41 +21812,39 @@
           </a:bodyPr>
           <a:lstStyle/>
           <a:p>
-            <a:pPr marL="0" marR="0" lvl="0" indent="0" algn="l" rtl="0">
-              <a:lnSpc>
-                <a:spcPct val="100000"/>
-              </a:lnSpc>
-              <a:spcBef>
-                <a:spcPts val="700"/>
-              </a:spcBef>
-              <a:spcAft>
-                <a:spcPts val="0"/>
-              </a:spcAft>
-              <a:buNone/>
-            </a:pPr>
-            <a:endParaRPr sz="500" dirty="0"/>
+            <a:pPr marL="285750" indent="-285750"/>
+            <a:r>
+              <a:rPr lang="en-US" sz="1400" dirty="0"/>
+              <a:t>Conditions – Find medically-reviewed information about conditions relevant to you and learn more about causes, treatments, and related symptoms.</a:t>
+            </a:r>
           </a:p>
           <a:p>
-            <a:pPr marL="114300" marR="0" lvl="0" indent="-114300" algn="l" rtl="0">
-              <a:lnSpc>
-                <a:spcPct val="100000"/>
-              </a:lnSpc>
-              <a:spcBef>
-                <a:spcPts val="700"/>
-              </a:spcBef>
-              <a:spcAft>
-                <a:spcPts val="0"/>
-              </a:spcAft>
-              <a:buClr>
-                <a:srgbClr val="2D3D4A"/>
-              </a:buClr>
-              <a:buSzPts val="1400"/>
-              <a:buFont typeface="Open Sans"/>
-              <a:buChar char="•"/>
-            </a:pPr>
+            <a:pPr marL="285750" indent="-285750"/>
             <a:r>
-              <a:rPr lang="en-US" dirty="0"/>
-              <a:t>Mobile app to check symptoms, find doctors, research treatments. </a:t>
+              <a:rPr lang="en-US" sz="1400" dirty="0"/>
+              <a:t>Medication Reminders – Never miss a dose. You’ll receive reminders when it’s time to take your medications. View daily prescription schedules and instructions, plus pill images with dosage and timing information for each drug.</a:t>
+            </a:r>
+          </a:p>
+          <a:p>
+            <a:pPr marL="285750" indent="-285750"/>
+            <a:r>
+              <a:rPr lang="en-US" sz="1400" dirty="0"/>
+              <a:t>Customization and Saving Functionality – Save your conditions, drugs, doctors, hospitals, pharmacies, and healthy living articles for secure, easy access and reference.</a:t>
+            </a:r>
+          </a:p>
+          <a:p>
+            <a:pPr marL="285750" indent="-285750"/>
+            <a:r>
+              <a:rPr lang="en-US" sz="1400" dirty="0"/>
+              <a:t>Symptom Checker – Choose your symptoms, learn about potential conditions or issues, and lookup treatment and care options.</a:t>
+            </a:r>
+            <a:endParaRPr lang="en-US" sz="1050" dirty="0"/>
+          </a:p>
+          <a:p>
+            <a:pPr marL="285750" indent="-285750"/>
+            <a:r>
+              <a:rPr lang="en-US" sz="1400" dirty="0"/>
+              <a:t>App Review 4.5, Installs 10,000,000+</a:t>
             </a:r>
           </a:p>
           <a:p>
@@ -21830,41 +21865,7 @@
               <a:buFont typeface="Open Sans"/>
               <a:buChar char="•"/>
             </a:pPr>
-            <a:r>
-              <a:rPr lang="en-US" dirty="0"/>
-              <a:t>F</a:t>
-            </a:r>
-            <a:r>
-              <a:rPr lang="en" dirty="0"/>
-              <a:t>eatures </a:t>
-            </a:r>
-            <a:r>
-              <a:rPr lang="en-US" dirty="0"/>
-              <a:t>such as medication reminder, Saving articles and records functionality</a:t>
-            </a:r>
-          </a:p>
-          <a:p>
-            <a:pPr marL="114300" marR="0" lvl="0" indent="-114300" algn="l" rtl="0">
-              <a:lnSpc>
-                <a:spcPct val="100000"/>
-              </a:lnSpc>
-              <a:spcBef>
-                <a:spcPts val="700"/>
-              </a:spcBef>
-              <a:spcAft>
-                <a:spcPts val="0"/>
-              </a:spcAft>
-              <a:buClr>
-                <a:srgbClr val="2D3D4A"/>
-              </a:buClr>
-              <a:buSzPts val="1400"/>
-              <a:buFont typeface="Open Sans"/>
-              <a:buChar char="•"/>
-            </a:pPr>
-            <a:r>
-              <a:rPr lang="en-US" dirty="0"/>
-              <a:t>App Review 4.5, Installs 10,000,000+</a:t>
-            </a:r>
+            <a:endParaRPr lang="en-US" sz="1400" dirty="0"/>
           </a:p>
         </p:txBody>
       </p:sp>
@@ -21973,6 +21974,66 @@
           <a:chExt cx="0" cy="0"/>
         </a:xfrm>
       </p:grpSpPr>
+      <p:pic>
+        <p:nvPicPr>
+          <p:cNvPr id="3" name="Picture 2" descr="A screenshot of a cell phone&#10;&#10;Description automatically generated">
+            <a:extLst>
+              <a:ext uri="{FF2B5EF4-FFF2-40B4-BE49-F238E27FC236}">
+                <a16:creationId xmlns:a16="http://schemas.microsoft.com/office/drawing/2014/main" id="{3CAF75C4-A46D-4FBF-917B-4CB37FFCA49C}"/>
+              </a:ext>
+            </a:extLst>
+          </p:cNvPr>
+          <p:cNvPicPr>
+            <a:picLocks noChangeAspect="1"/>
+          </p:cNvPicPr>
+          <p:nvPr/>
+        </p:nvPicPr>
+        <p:blipFill>
+          <a:blip r:embed="rId3"/>
+          <a:stretch>
+            <a:fillRect/>
+          </a:stretch>
+        </p:blipFill>
+        <p:spPr>
+          <a:xfrm>
+            <a:off x="6692033" y="203213"/>
+            <a:ext cx="2182768" cy="1222350"/>
+          </a:xfrm>
+          <a:prstGeom prst="rect">
+            <a:avLst/>
+          </a:prstGeom>
+          <a:solidFill>
+            <a:schemeClr val="accent2">
+              <a:alpha val="10000"/>
+            </a:schemeClr>
+          </a:solidFill>
+          <a:ln w="88900" cap="sq">
+            <a:solidFill>
+              <a:srgbClr val="FFFFFF"/>
+            </a:solidFill>
+            <a:miter lim="800000"/>
+          </a:ln>
+          <a:effectLst>
+            <a:outerShdw blurRad="55000" dist="18000" dir="5400000" algn="tl" rotWithShape="0">
+              <a:srgbClr val="000000">
+                <a:alpha val="40000"/>
+              </a:srgbClr>
+            </a:outerShdw>
+          </a:effectLst>
+          <a:scene3d>
+            <a:camera prst="orthographicFront"/>
+            <a:lightRig rig="twoPt" dir="t">
+              <a:rot lat="0" lon="0" rev="7200000"/>
+            </a:lightRig>
+          </a:scene3d>
+          <a:sp3d>
+            <a:bevelT w="25400" h="19050"/>
+            <a:contourClr>
+              <a:srgbClr val="FFFFFF"/>
+            </a:contourClr>
+          </a:sp3d>
+        </p:spPr>
+      </p:pic>
       <p:sp>
         <p:nvSpPr>
           <p:cNvPr id="218" name="Google Shape;218;p41"/>
@@ -21986,7 +22047,7 @@
         <p:spPr>
           <a:xfrm>
             <a:off x="457200" y="912875"/>
-            <a:ext cx="8229600" cy="309600"/>
+            <a:ext cx="7750969" cy="309600"/>
           </a:xfrm>
           <a:prstGeom prst="rect">
             <a:avLst/>
@@ -22002,27 +22063,12 @@
           </a:bodyPr>
           <a:lstStyle/>
           <a:p>
-            <a:pPr marL="0" marR="0" lvl="0" indent="0" algn="l" rtl="0">
-              <a:lnSpc>
-                <a:spcPct val="100000"/>
-              </a:lnSpc>
-              <a:spcBef>
-                <a:spcPts val="0"/>
-              </a:spcBef>
-              <a:spcAft>
-                <a:spcPts val="0"/>
-              </a:spcAft>
-              <a:buClr>
-                <a:srgbClr val="02B3E4"/>
-              </a:buClr>
-              <a:buFont typeface="Open Sans"/>
-              <a:buNone/>
-            </a:pPr>
+            <a:pPr marL="0" lvl="0" indent="0"/>
             <a:r>
-              <a:rPr lang="en"/>
-              <a:t>E.G. []</a:t>
+              <a:rPr lang="en-US" sz="1400" dirty="0"/>
+              <a:t>Cigna is an American worldwide health services organization based in Bloomfield, Connecticut. Its insurance subsidiaries are major providers of medical, dental, disability, life and accident insurance and related products and services, the majority of which are offered through employers and other groups</a:t>
             </a:r>
-            <a:endParaRPr sz="500"/>
+            <a:endParaRPr sz="300" dirty="0"/>
           </a:p>
         </p:txBody>
       </p:sp>
@@ -22145,7 +22191,7 @@
         </p:nvSpPr>
         <p:spPr>
           <a:xfrm>
-            <a:off x="204200" y="1376450"/>
+            <a:off x="457200" y="1373125"/>
             <a:ext cx="8482500" cy="2857500"/>
           </a:xfrm>
           <a:prstGeom prst="rect">
@@ -22174,77 +22220,58 @@
               </a:spcAft>
               <a:buNone/>
             </a:pPr>
-            <a:endParaRPr sz="500" dirty="0"/>
+            <a:endParaRPr sz="300" dirty="0"/>
           </a:p>
           <a:p>
-            <a:pPr marL="114300" marR="0" lvl="0" indent="-114300" algn="l" rtl="0">
-              <a:lnSpc>
-                <a:spcPct val="100000"/>
-              </a:lnSpc>
-              <a:spcBef>
-                <a:spcPts val="700"/>
-              </a:spcBef>
-              <a:spcAft>
-                <a:spcPts val="0"/>
-              </a:spcAft>
-              <a:buClr>
-                <a:srgbClr val="2D3D4A"/>
-              </a:buClr>
-              <a:buSzPts val="1400"/>
-              <a:buFont typeface="Open Sans"/>
-              <a:buChar char="•"/>
-            </a:pPr>
+            <a:pPr marL="285750" indent="-285750"/>
             <a:r>
-              <a:rPr lang="en-US" dirty="0"/>
-              <a:t>App to give access to doctors, control over health information, lifestyle and wellness changes. </a:t>
+              <a:rPr lang="en-US" sz="1400" dirty="0"/>
+              <a:t>Assessments -Kick off your experience with the health and well-being assessment</a:t>
+            </a:r>
+            <a:br>
+              <a:rPr lang="en-US" sz="1200" dirty="0"/>
+            </a:br>
+            <a:r>
+              <a:rPr lang="en-US" sz="1400" dirty="0"/>
+              <a:t>Choose targeted assessments such as stress, sleep and activity to find out how you stack up. Use your results to create healthy changes</a:t>
             </a:r>
           </a:p>
           <a:p>
-            <a:pPr marL="114300" marR="0" lvl="0" indent="-114300" algn="l" rtl="0">
-              <a:lnSpc>
-                <a:spcPct val="100000"/>
-              </a:lnSpc>
-              <a:spcBef>
-                <a:spcPts val="700"/>
-              </a:spcBef>
-              <a:spcAft>
-                <a:spcPts val="0"/>
-              </a:spcAft>
-              <a:buClr>
-                <a:srgbClr val="2D3D4A"/>
-              </a:buClr>
-              <a:buSzPts val="1400"/>
-              <a:buFont typeface="Open Sans"/>
-              <a:buChar char="•"/>
-            </a:pPr>
+            <a:pPr marL="285750" indent="-285750"/>
             <a:r>
-              <a:rPr lang="en-US" dirty="0"/>
-              <a:t>Features such as health assessment, get care, health programs (videos), My focus health plan. </a:t>
+              <a:rPr lang="en-US" sz="1400" dirty="0"/>
+              <a:t>HEALTH &amp; LIFESTYLE PROGRAMS- Recommended programs guide you in simple daily activities</a:t>
+            </a:r>
+            <a:br>
+              <a:rPr lang="en-US" sz="1050" dirty="0"/>
+            </a:br>
+            <a:r>
+              <a:rPr lang="en-US" sz="1400" dirty="0"/>
+              <a:t>Get guidance and tips from health coaches and work healthy improvements into your daily routine</a:t>
             </a:r>
           </a:p>
           <a:p>
-            <a:pPr marL="114300" marR="0" lvl="0" indent="-114300" algn="l" rtl="0">
-              <a:lnSpc>
-                <a:spcPct val="100000"/>
-              </a:lnSpc>
-              <a:spcBef>
-                <a:spcPts val="700"/>
-              </a:spcBef>
-              <a:spcAft>
-                <a:spcPts val="0"/>
-              </a:spcAft>
-              <a:buClr>
-                <a:srgbClr val="2D3D4A"/>
-              </a:buClr>
-              <a:buSzPts val="1400"/>
-              <a:buFont typeface="Open Sans"/>
-              <a:buChar char="•"/>
-            </a:pPr>
+            <a:pPr marL="285750" indent="-285750"/>
             <a:r>
-              <a:rPr lang="en-US" dirty="0"/>
+              <a:rPr lang="en-US" sz="1400" dirty="0"/>
+              <a:t>TRACKERS- Your health numbers all in one place</a:t>
+            </a:r>
+            <a:br>
+              <a:rPr lang="en-US" sz="900" dirty="0"/>
+            </a:br>
+            <a:r>
+              <a:rPr lang="en-US" sz="1400" dirty="0"/>
+              <a:t>Monitor your progress with trackers for BMI, cholesterol, blood pressure, blood sugar, sleep info, and more. Integration with your assessment activities</a:t>
+            </a:r>
+            <a:endParaRPr lang="en-US" sz="900" dirty="0"/>
+          </a:p>
+          <a:p>
+            <a:pPr marL="285750" indent="-285750"/>
+            <a:r>
+              <a:rPr lang="en-US" sz="1400" dirty="0"/>
               <a:t>Rating is 2.3, installs 10,000+</a:t>
             </a:r>
-            <a:endParaRPr sz="500" dirty="0"/>
+            <a:endParaRPr sz="300" dirty="0"/>
           </a:p>
         </p:txBody>
       </p:sp>
@@ -22565,53 +22592,31 @@
           </a:bodyPr>
           <a:lstStyle/>
           <a:p>
-            <a:pPr marL="114300" marR="0" lvl="0" indent="-114300" algn="l" rtl="0">
-              <a:lnSpc>
-                <a:spcPct val="100000"/>
-              </a:lnSpc>
-              <a:spcBef>
-                <a:spcPts val="700"/>
-              </a:spcBef>
-              <a:spcAft>
-                <a:spcPts val="0"/>
-              </a:spcAft>
-              <a:buClr>
-                <a:srgbClr val="2D3D4A"/>
-              </a:buClr>
-              <a:buSzPts val="1400"/>
-              <a:buFont typeface="Cabin"/>
-              <a:buChar char="•"/>
-            </a:pPr>
+            <a:pPr marL="114300" lvl="0" indent="-114300"/>
             <a:r>
               <a:rPr lang="en-US" dirty="0"/>
-              <a:t>We need this app in order to cater to our existing customer base and to provide them correct preventive care. </a:t>
+              <a:t>Kaiser Permanente, the provider with the second-largest market share within the health insurance industry</a:t>
             </a:r>
           </a:p>
           <a:p>
-            <a:pPr marL="114300" marR="0" lvl="0" indent="-114300" algn="l" rtl="0">
-              <a:lnSpc>
-                <a:spcPct val="100000"/>
-              </a:lnSpc>
-              <a:spcBef>
-                <a:spcPts val="700"/>
-              </a:spcBef>
-              <a:spcAft>
-                <a:spcPts val="0"/>
-              </a:spcAft>
-              <a:buClr>
-                <a:srgbClr val="2D3D4A"/>
-              </a:buClr>
-              <a:buSzPts val="1400"/>
-              <a:buFont typeface="Cabin"/>
-              <a:buChar char="•"/>
-            </a:pPr>
+            <a:pPr marL="114300" lvl="0" indent="-114300"/>
             <a:r>
               <a:rPr lang="en-US" dirty="0"/>
-              <a:t>Also, we are growing each year. We have a huge presence in North America and are amongst the top 3 non-profit healthcare providers. </a:t>
+              <a:t>This organizational structure also gives them the ability to create a “one-stop shop” for their members to receive all levels of care.</a:t>
             </a:r>
+          </a:p>
+          <a:p>
+            <a:pPr marL="114300" lvl="0" indent="-114300"/>
             <a:r>
-              <a:rPr lang="en" dirty="0"/>
-              <a:t> </a:t>
+              <a:rPr lang="en-US" dirty="0"/>
+              <a:t>Our content for health and medicine is unique and will help beat the competitors</a:t>
+            </a:r>
+          </a:p>
+          <a:p>
+            <a:pPr marL="285750" indent="-285750"/>
+            <a:r>
+              <a:rPr lang="en-US" dirty="0"/>
+              <a:t>Our in-house network of doctors and nurses will help bring the app alive and cater to the patient needs and this provides an edge to our competitors</a:t>
             </a:r>
             <a:endParaRPr dirty="0"/>
           </a:p>
@@ -23049,7 +23054,7 @@
         </p:nvSpPr>
         <p:spPr>
           <a:xfrm>
-            <a:off x="457200" y="1409700"/>
+            <a:off x="405803" y="995363"/>
             <a:ext cx="8229600" cy="2857500"/>
           </a:xfrm>
           <a:prstGeom prst="rect">
@@ -23103,8 +23108,74 @@
               <a:buChar char="•"/>
             </a:pPr>
             <a:r>
-              <a:rPr lang="en" dirty="0"/>
-              <a:t>[What are the two or three big themes that your roadmap will follow from here?  No more than 3 themes.  Anything else and your roadmap becomes diluted]</a:t>
+              <a:rPr lang="en-US" dirty="0"/>
+              <a:t>User Friendly app with FAQ Section to help users navigate and understand the app</a:t>
+            </a:r>
+          </a:p>
+          <a:p>
+            <a:pPr marL="114300" marR="0" lvl="0" indent="-114300" algn="l" rtl="0">
+              <a:lnSpc>
+                <a:spcPct val="100000"/>
+              </a:lnSpc>
+              <a:spcBef>
+                <a:spcPts val="700"/>
+              </a:spcBef>
+              <a:spcAft>
+                <a:spcPts val="0"/>
+              </a:spcAft>
+              <a:buClr>
+                <a:srgbClr val="2D3D4A"/>
+              </a:buClr>
+              <a:buSzPts val="1400"/>
+              <a:buFont typeface="Cabin"/>
+              <a:buChar char="•"/>
+            </a:pPr>
+            <a:r>
+              <a:rPr lang="en-US" dirty="0"/>
+              <a:t>Launch the initial version of app for users in Texas and analyze their feedback on the application, followed by launch in other prioritized states in phases</a:t>
+            </a:r>
+          </a:p>
+          <a:p>
+            <a:pPr marL="114300" marR="0" lvl="0" indent="-114300" algn="l" rtl="0">
+              <a:lnSpc>
+                <a:spcPct val="100000"/>
+              </a:lnSpc>
+              <a:spcBef>
+                <a:spcPts val="700"/>
+              </a:spcBef>
+              <a:spcAft>
+                <a:spcPts val="0"/>
+              </a:spcAft>
+              <a:buClr>
+                <a:srgbClr val="2D3D4A"/>
+              </a:buClr>
+              <a:buSzPts val="1400"/>
+              <a:buFont typeface="Cabin"/>
+              <a:buChar char="•"/>
+            </a:pPr>
+            <a:r>
+              <a:rPr lang="en-US" dirty="0"/>
+              <a:t>Themes : 1. Healthy Habits</a:t>
+            </a:r>
+          </a:p>
+          <a:p>
+            <a:pPr marL="914400" lvl="2" indent="0">
+              <a:buSzPts val="1400"/>
+              <a:buNone/>
+            </a:pPr>
+            <a:r>
+              <a:rPr lang="en-US" dirty="0"/>
+              <a:t>    2. Health Monitoring</a:t>
+            </a:r>
+          </a:p>
+          <a:p>
+            <a:pPr marL="914400" lvl="2" indent="0">
+              <a:buSzPts val="1400"/>
+              <a:buNone/>
+            </a:pPr>
+            <a:r>
+              <a:rPr lang="en-US" dirty="0"/>
+              <a:t>    3. Predictive Analysis of Health </a:t>
             </a:r>
             <a:endParaRPr dirty="0"/>
           </a:p>
@@ -23194,55 +23265,6 @@
       </p:grpSpPr>
       <p:sp>
         <p:nvSpPr>
-          <p:cNvPr id="251" name="Google Shape;251;p45"/>
-          <p:cNvSpPr txBox="1">
-            <a:spLocks noGrp="1"/>
-          </p:cNvSpPr>
-          <p:nvPr>
-            <p:ph type="body" idx="1"/>
-          </p:nvPr>
-        </p:nvSpPr>
-        <p:spPr>
-          <a:xfrm>
-            <a:off x="457200" y="914251"/>
-            <a:ext cx="8229600" cy="309600"/>
-          </a:xfrm>
-          <a:prstGeom prst="rect">
-            <a:avLst/>
-          </a:prstGeom>
-          <a:noFill/>
-          <a:ln>
-            <a:noFill/>
-          </a:ln>
-        </p:spPr>
-        <p:txBody>
-          <a:bodyPr spcFirstLastPara="1" wrap="square" lIns="0" tIns="0" rIns="0" bIns="0" anchor="t" anchorCtr="0">
-            <a:noAutofit/>
-          </a:bodyPr>
-          <a:lstStyle/>
-          <a:p>
-            <a:pPr marL="0" marR="0" lvl="0" indent="0" algn="l" rtl="0">
-              <a:lnSpc>
-                <a:spcPct val="100000"/>
-              </a:lnSpc>
-              <a:spcBef>
-                <a:spcPts val="0"/>
-              </a:spcBef>
-              <a:spcAft>
-                <a:spcPts val="0"/>
-              </a:spcAft>
-              <a:buClr>
-                <a:srgbClr val="02B3E4"/>
-              </a:buClr>
-              <a:buFont typeface="Open Sans"/>
-              <a:buNone/>
-            </a:pPr>
-            <a:endParaRPr sz="500" dirty="0"/>
-          </a:p>
-        </p:txBody>
-      </p:sp>
-      <p:sp>
-        <p:nvSpPr>
           <p:cNvPr id="252" name="Google Shape;252;p45"/>
           <p:cNvSpPr txBox="1">
             <a:spLocks noGrp="1"/>
@@ -23419,14 +23441,14 @@
             </a:pPr>
             <a:r>
               <a:rPr lang="en-US" dirty="0"/>
-              <a:t>Healthy Videos</a:t>
+              <a:t>Healthy Videos: Patients will be benefitted with videos on healthy habits, nutrition and diet, early symptoms of the disease, exercise videos, meditation videos</a:t>
             </a:r>
           </a:p>
           <a:p>
             <a:pPr marL="114300" lvl="0" indent="-114300"/>
             <a:r>
               <a:rPr lang="en-US" dirty="0"/>
-              <a:t>check symptoms, find doctors, research treatments</a:t>
+              <a:t>Check symptoms, find doctors, research treatments: Options to check early symptoms, schedule of screenings, immunization, lab tests, x-rays, physical exams. Chat with your personal physician through the app!</a:t>
             </a:r>
           </a:p>
           <a:p>
@@ -23535,59 +23557,6 @@
       </p:grpSpPr>
       <p:sp>
         <p:nvSpPr>
-          <p:cNvPr id="260" name="Google Shape;260;p46"/>
-          <p:cNvSpPr txBox="1">
-            <a:spLocks noGrp="1"/>
-          </p:cNvSpPr>
-          <p:nvPr>
-            <p:ph type="body" idx="1"/>
-          </p:nvPr>
-        </p:nvSpPr>
-        <p:spPr>
-          <a:xfrm>
-            <a:off x="457200" y="914251"/>
-            <a:ext cx="8229600" cy="309600"/>
-          </a:xfrm>
-          <a:prstGeom prst="rect">
-            <a:avLst/>
-          </a:prstGeom>
-          <a:noFill/>
-          <a:ln>
-            <a:noFill/>
-          </a:ln>
-        </p:spPr>
-        <p:txBody>
-          <a:bodyPr spcFirstLastPara="1" wrap="square" lIns="0" tIns="0" rIns="0" bIns="0" anchor="t" anchorCtr="0">
-            <a:noAutofit/>
-          </a:bodyPr>
-          <a:lstStyle/>
-          <a:p>
-            <a:pPr marL="0" marR="0" lvl="0" indent="0" algn="l" rtl="0">
-              <a:lnSpc>
-                <a:spcPct val="100000"/>
-              </a:lnSpc>
-              <a:spcBef>
-                <a:spcPts val="0"/>
-              </a:spcBef>
-              <a:spcAft>
-                <a:spcPts val="0"/>
-              </a:spcAft>
-              <a:buClr>
-                <a:srgbClr val="02B3E4"/>
-              </a:buClr>
-              <a:buFont typeface="Open Sans"/>
-              <a:buNone/>
-            </a:pPr>
-            <a:r>
-              <a:rPr lang="en"/>
-              <a:t>[Subtitle]</a:t>
-            </a:r>
-            <a:endParaRPr sz="500"/>
-          </a:p>
-        </p:txBody>
-      </p:sp>
-      <p:sp>
-        <p:nvSpPr>
           <p:cNvPr id="261" name="Google Shape;261;p46"/>
           <p:cNvSpPr txBox="1">
             <a:spLocks noGrp="1"/>
@@ -23764,14 +23733,14 @@
             </a:pPr>
             <a:r>
               <a:rPr lang="en-US" dirty="0"/>
-              <a:t>Monitoring of vital health</a:t>
+              <a:t>Monitoring of vital health of you and your family: Weight, Cholesterol, Blood pressure, Blood test results, (find all reports on the app), depression, diabetes, STDs</a:t>
             </a:r>
           </a:p>
           <a:p>
             <a:pPr marL="114300" lvl="0" indent="-114300"/>
             <a:r>
               <a:rPr lang="en-US" dirty="0"/>
-              <a:t>medication reminder</a:t>
+              <a:t>medication reminder &amp; counselling: Schedule reminders for your medicines, avail counselling on alcohol abuse, improper diet, obesity, STDs,</a:t>
             </a:r>
           </a:p>
           <a:p>
@@ -23880,59 +23849,6 @@
       </p:grpSpPr>
       <p:sp>
         <p:nvSpPr>
-          <p:cNvPr id="269" name="Google Shape;269;p47"/>
-          <p:cNvSpPr txBox="1">
-            <a:spLocks noGrp="1"/>
-          </p:cNvSpPr>
-          <p:nvPr>
-            <p:ph type="body" idx="1"/>
-          </p:nvPr>
-        </p:nvSpPr>
-        <p:spPr>
-          <a:xfrm>
-            <a:off x="457200" y="914251"/>
-            <a:ext cx="8229600" cy="309600"/>
-          </a:xfrm>
-          <a:prstGeom prst="rect">
-            <a:avLst/>
-          </a:prstGeom>
-          <a:noFill/>
-          <a:ln>
-            <a:noFill/>
-          </a:ln>
-        </p:spPr>
-        <p:txBody>
-          <a:bodyPr spcFirstLastPara="1" wrap="square" lIns="0" tIns="0" rIns="0" bIns="0" anchor="t" anchorCtr="0">
-            <a:noAutofit/>
-          </a:bodyPr>
-          <a:lstStyle/>
-          <a:p>
-            <a:pPr marL="0" marR="0" lvl="0" indent="0" algn="l" rtl="0">
-              <a:lnSpc>
-                <a:spcPct val="100000"/>
-              </a:lnSpc>
-              <a:spcBef>
-                <a:spcPts val="0"/>
-              </a:spcBef>
-              <a:spcAft>
-                <a:spcPts val="0"/>
-              </a:spcAft>
-              <a:buClr>
-                <a:srgbClr val="02B3E4"/>
-              </a:buClr>
-              <a:buFont typeface="Open Sans"/>
-              <a:buNone/>
-            </a:pPr>
-            <a:r>
-              <a:rPr lang="en"/>
-              <a:t>[Subtitle]</a:t>
-            </a:r>
-            <a:endParaRPr sz="500"/>
-          </a:p>
-        </p:txBody>
-      </p:sp>
-      <p:sp>
-        <p:nvSpPr>
           <p:cNvPr id="270" name="Google Shape;270;p47"/>
           <p:cNvSpPr txBox="1">
             <a:spLocks noGrp="1"/>
@@ -24109,7 +24025,7 @@
             </a:pPr>
             <a:r>
               <a:rPr lang="en-US" dirty="0"/>
-              <a:t>Exercising plan</a:t>
+              <a:t>Exercising plan, weight loss: Weight loss monitoring/logging, goal setting feature, daily exercise plan(duration, core, aerobic, hobbies, logging), gamification</a:t>
             </a:r>
           </a:p>
           <a:p>
@@ -24132,7 +24048,7 @@
             </a:pPr>
             <a:r>
               <a:rPr lang="en-US" dirty="0"/>
-              <a:t>Health Assessment for preventive care</a:t>
+              <a:t>Health Assessment for preventive care: Notifications based on the predictive analysis of possible symptoms of the disease, risk of contracting heart related disease or other complications, obesity, breast cancer.</a:t>
             </a:r>
           </a:p>
           <a:p>
@@ -24259,6 +24175,68 @@
           <a:chExt cx="0" cy="0"/>
         </a:xfrm>
       </p:grpSpPr>
+      <p:pic>
+        <p:nvPicPr>
+          <p:cNvPr id="3" name="Picture 2" descr="A close up of a logo&#10;&#10;Description automatically generated">
+            <a:extLst>
+              <a:ext uri="{FF2B5EF4-FFF2-40B4-BE49-F238E27FC236}">
+                <a16:creationId xmlns:a16="http://schemas.microsoft.com/office/drawing/2014/main" id="{FB9B79F1-3E9C-42A0-AC47-AFEC89C2A1F0}"/>
+              </a:ext>
+            </a:extLst>
+          </p:cNvPr>
+          <p:cNvPicPr>
+            <a:picLocks noChangeAspect="1"/>
+          </p:cNvPicPr>
+          <p:nvPr/>
+        </p:nvPicPr>
+        <p:blipFill>
+          <a:blip r:embed="rId3"/>
+          <a:stretch>
+            <a:fillRect/>
+          </a:stretch>
+        </p:blipFill>
+        <p:spPr>
+          <a:xfrm>
+            <a:off x="3947998" y="1907381"/>
+            <a:ext cx="4857321" cy="3236119"/>
+          </a:xfrm>
+          <a:prstGeom prst="rect">
+            <a:avLst/>
+          </a:prstGeom>
+          <a:solidFill>
+            <a:srgbClr val="FFFFFF">
+              <a:shade val="85000"/>
+            </a:srgbClr>
+          </a:solidFill>
+          <a:ln w="101600" cap="sq">
+            <a:solidFill>
+              <a:srgbClr val="FDFDFD"/>
+            </a:solidFill>
+            <a:miter lim="800000"/>
+          </a:ln>
+          <a:effectLst>
+            <a:outerShdw blurRad="57150" dist="37500" dir="7560000" sy="98000" kx="110000" ky="200000" algn="tl" rotWithShape="0">
+              <a:srgbClr val="000000">
+                <a:alpha val="20000"/>
+              </a:srgbClr>
+            </a:outerShdw>
+          </a:effectLst>
+          <a:scene3d>
+            <a:camera prst="perspectiveRelaxed">
+              <a:rot lat="18960000" lon="0" rev="0"/>
+            </a:camera>
+            <a:lightRig rig="twoPt" dir="t">
+              <a:rot lat="0" lon="0" rev="7200000"/>
+            </a:lightRig>
+          </a:scene3d>
+          <a:sp3d prstMaterial="matte">
+            <a:bevelT w="22860" h="12700"/>
+            <a:contourClr>
+              <a:srgbClr val="FFFFFF"/>
+            </a:contourClr>
+          </a:sp3d>
+        </p:spPr>
+      </p:pic>
       <p:sp>
         <p:nvSpPr>
           <p:cNvPr id="278" name="Google Shape;278;p48"/>
@@ -24454,7 +24432,7 @@
         </p:nvSpPr>
         <p:spPr>
           <a:xfrm>
-            <a:off x="457200" y="1409700"/>
+            <a:off x="405803" y="376238"/>
             <a:ext cx="8229600" cy="2857500"/>
           </a:xfrm>
           <a:prstGeom prst="rect">
@@ -24566,6 +24544,178 @@
   <p:transition>
     <p:fade thruBlk="1"/>
   </p:transition>
+</p:sld>
+</file>
+
+<file path=ppt/slides/slide19.xml><?xml version="1.0" encoding="utf-8"?>
+<p:sld xmlns:a="http://schemas.openxmlformats.org/drawingml/2006/main" xmlns:r="http://schemas.openxmlformats.org/officeDocument/2006/relationships" xmlns:p="http://schemas.openxmlformats.org/presentationml/2006/main">
+  <p:cSld>
+    <p:spTree>
+      <p:nvGrpSpPr>
+        <p:cNvPr id="1" name=""/>
+        <p:cNvGrpSpPr/>
+        <p:nvPr/>
+      </p:nvGrpSpPr>
+      <p:grpSpPr>
+        <a:xfrm>
+          <a:off x="0" y="0"/>
+          <a:ext cx="0" cy="0"/>
+          <a:chOff x="0" y="0"/>
+          <a:chExt cx="0" cy="0"/>
+        </a:xfrm>
+      </p:grpSpPr>
+      <p:sp>
+        <p:nvSpPr>
+          <p:cNvPr id="2" name="Text Placeholder 1">
+            <a:extLst>
+              <a:ext uri="{FF2B5EF4-FFF2-40B4-BE49-F238E27FC236}">
+                <a16:creationId xmlns:a16="http://schemas.microsoft.com/office/drawing/2014/main" id="{D8DDF946-AC02-4006-95FD-6644E77E31C9}"/>
+              </a:ext>
+            </a:extLst>
+          </p:cNvPr>
+          <p:cNvSpPr>
+            <a:spLocks noGrp="1"/>
+          </p:cNvSpPr>
+          <p:nvPr>
+            <p:ph type="body" idx="1"/>
+          </p:nvPr>
+        </p:nvSpPr>
+        <p:spPr/>
+        <p:txBody>
+          <a:bodyPr/>
+          <a:lstStyle/>
+          <a:p>
+            <a:endParaRPr lang="en-US"/>
+          </a:p>
+        </p:txBody>
+      </p:sp>
+      <p:sp>
+        <p:nvSpPr>
+          <p:cNvPr id="3" name="Text Placeholder 2">
+            <a:extLst>
+              <a:ext uri="{FF2B5EF4-FFF2-40B4-BE49-F238E27FC236}">
+                <a16:creationId xmlns:a16="http://schemas.microsoft.com/office/drawing/2014/main" id="{C0E3A8F0-2648-464E-9682-8D5BAD561E46}"/>
+              </a:ext>
+            </a:extLst>
+          </p:cNvPr>
+          <p:cNvSpPr>
+            <a:spLocks noGrp="1"/>
+          </p:cNvSpPr>
+          <p:nvPr>
+            <p:ph type="body" idx="2"/>
+          </p:nvPr>
+        </p:nvSpPr>
+        <p:spPr/>
+        <p:txBody>
+          <a:bodyPr/>
+          <a:lstStyle/>
+          <a:p>
+            <a:endParaRPr lang="en-US"/>
+          </a:p>
+        </p:txBody>
+      </p:sp>
+      <p:sp>
+        <p:nvSpPr>
+          <p:cNvPr id="4" name="Title 3">
+            <a:extLst>
+              <a:ext uri="{FF2B5EF4-FFF2-40B4-BE49-F238E27FC236}">
+                <a16:creationId xmlns:a16="http://schemas.microsoft.com/office/drawing/2014/main" id="{736B7586-6474-4923-BF06-316B31C62541}"/>
+              </a:ext>
+            </a:extLst>
+          </p:cNvPr>
+          <p:cNvSpPr>
+            <a:spLocks noGrp="1"/>
+          </p:cNvSpPr>
+          <p:nvPr>
+            <p:ph type="title"/>
+          </p:nvPr>
+        </p:nvSpPr>
+        <p:spPr/>
+        <p:txBody>
+          <a:bodyPr/>
+          <a:lstStyle/>
+          <a:p>
+            <a:r>
+              <a:rPr lang="en-US" dirty="0"/>
+              <a:t>Research links</a:t>
+            </a:r>
+          </a:p>
+        </p:txBody>
+      </p:sp>
+      <p:sp>
+        <p:nvSpPr>
+          <p:cNvPr id="5" name="Text Placeholder 4">
+            <a:extLst>
+              <a:ext uri="{FF2B5EF4-FFF2-40B4-BE49-F238E27FC236}">
+                <a16:creationId xmlns:a16="http://schemas.microsoft.com/office/drawing/2014/main" id="{917AB4CB-F5BD-4580-84E3-F10A789E5205}"/>
+              </a:ext>
+            </a:extLst>
+          </p:cNvPr>
+          <p:cNvSpPr>
+            <a:spLocks noGrp="1"/>
+          </p:cNvSpPr>
+          <p:nvPr>
+            <p:ph type="body" idx="3"/>
+          </p:nvPr>
+        </p:nvSpPr>
+        <p:spPr/>
+        <p:txBody>
+          <a:bodyPr/>
+          <a:lstStyle/>
+          <a:p>
+            <a:r>
+              <a:rPr lang="en-US" dirty="0">
+                <a:hlinkClick r:id="rId2"/>
+              </a:rPr>
+              <a:t>https://about.kaiserpermanente.org/who-we-are/fast-facts</a:t>
+            </a:r>
+            <a:endParaRPr lang="en-US" dirty="0"/>
+          </a:p>
+          <a:p>
+            <a:r>
+              <a:rPr lang="en-US" dirty="0">
+                <a:hlinkClick r:id="rId3"/>
+              </a:rPr>
+              <a:t>https://bestcompany.com/health-insurance/blog/review-aetna-vs-cigna-vs-kaiser-permanente</a:t>
+            </a:r>
+            <a:endParaRPr lang="en-US" dirty="0"/>
+          </a:p>
+          <a:p>
+            <a:r>
+              <a:rPr lang="en-US" dirty="0">
+                <a:hlinkClick r:id="rId4"/>
+              </a:rPr>
+              <a:t>https://healthy.kaiserpermanente.org/static/health/annual_reports/kp_annualreport_2018/?kp_shortcut_referrer=kp.org/annualreport</a:t>
+            </a:r>
+            <a:endParaRPr lang="en-US" dirty="0"/>
+          </a:p>
+          <a:p>
+            <a:r>
+              <a:rPr lang="en-US" dirty="0">
+                <a:hlinkClick r:id="rId5"/>
+              </a:rPr>
+              <a:t>https://my.kp.org/apria/wp-content/uploads/sites/47/2013/11/82650_2012_HCR_PrevntiveServices_Flyr_Ntl_v4a_ap_ATC_HR_ADA.pdf</a:t>
+            </a:r>
+            <a:endParaRPr lang="en-US" dirty="0"/>
+          </a:p>
+          <a:p>
+            <a:endParaRPr lang="en-US" dirty="0"/>
+          </a:p>
+          <a:p>
+            <a:endParaRPr lang="en-US" dirty="0"/>
+          </a:p>
+        </p:txBody>
+      </p:sp>
+    </p:spTree>
+    <p:extLst>
+      <p:ext uri="{BB962C8B-B14F-4D97-AF65-F5344CB8AC3E}">
+        <p14:creationId xmlns:p14="http://schemas.microsoft.com/office/powerpoint/2010/main" val="2186216895"/>
+      </p:ext>
+    </p:extLst>
+  </p:cSld>
+  <p:clrMapOvr>
+    <a:masterClrMapping/>
+  </p:clrMapOvr>
 </p:sld>
 </file>
 
@@ -25292,7 +25442,7 @@
         </p:nvSpPr>
         <p:spPr>
           <a:xfrm>
-            <a:off x="457200" y="1409700"/>
+            <a:off x="405803" y="800100"/>
             <a:ext cx="8229600" cy="2857500"/>
           </a:xfrm>
           <a:prstGeom prst="rect">
@@ -25309,7 +25459,7 @@
           </a:bodyPr>
           <a:lstStyle/>
           <a:p>
-            <a:pPr marL="114300" marR="0" lvl="0" indent="-114300" algn="l" rtl="0">
+            <a:pPr marL="0" marR="0" lvl="0" indent="0" algn="l" rtl="0">
               <a:lnSpc>
                 <a:spcPct val="100000"/>
               </a:lnSpc>
@@ -25323,8 +25473,7 @@
                 <a:srgbClr val="2D3D4A"/>
               </a:buClr>
               <a:buSzPts val="1400"/>
-              <a:buFont typeface="Cabin"/>
-              <a:buChar char="•"/>
+              <a:buNone/>
             </a:pPr>
             <a:r>
               <a:rPr lang="en-US" dirty="0"/>
@@ -25415,6 +25564,68 @@
           </a:p>
         </p:txBody>
       </p:sp>
+      <p:pic>
+        <p:nvPicPr>
+          <p:cNvPr id="5" name="Picture 4" descr="A close up of a device&#10;&#10;Description automatically generated">
+            <a:extLst>
+              <a:ext uri="{FF2B5EF4-FFF2-40B4-BE49-F238E27FC236}">
+                <a16:creationId xmlns:a16="http://schemas.microsoft.com/office/drawing/2014/main" id="{D4486A5E-576D-491A-A19E-6A83274101E0}"/>
+              </a:ext>
+            </a:extLst>
+          </p:cNvPr>
+          <p:cNvPicPr>
+            <a:picLocks noChangeAspect="1"/>
+          </p:cNvPicPr>
+          <p:nvPr/>
+        </p:nvPicPr>
+        <p:blipFill>
+          <a:blip r:embed="rId3"/>
+          <a:stretch>
+            <a:fillRect/>
+          </a:stretch>
+        </p:blipFill>
+        <p:spPr>
+          <a:xfrm>
+            <a:off x="3686175" y="2378757"/>
+            <a:ext cx="4814888" cy="2400412"/>
+          </a:xfrm>
+          <a:prstGeom prst="rect">
+            <a:avLst/>
+          </a:prstGeom>
+          <a:solidFill>
+            <a:srgbClr val="FFFFFF">
+              <a:shade val="85000"/>
+            </a:srgbClr>
+          </a:solidFill>
+          <a:ln w="101600" cap="sq">
+            <a:solidFill>
+              <a:srgbClr val="FDFDFD"/>
+            </a:solidFill>
+            <a:miter lim="800000"/>
+          </a:ln>
+          <a:effectLst>
+            <a:outerShdw blurRad="57150" dist="37500" dir="7560000" sy="98000" kx="110000" ky="200000" algn="tl" rotWithShape="0">
+              <a:srgbClr val="000000">
+                <a:alpha val="20000"/>
+              </a:srgbClr>
+            </a:outerShdw>
+          </a:effectLst>
+          <a:scene3d>
+            <a:camera prst="perspectiveRelaxed">
+              <a:rot lat="18960000" lon="0" rev="0"/>
+            </a:camera>
+            <a:lightRig rig="twoPt" dir="t">
+              <a:rot lat="0" lon="0" rev="7200000"/>
+            </a:lightRig>
+          </a:scene3d>
+          <a:sp3d prstMaterial="matte">
+            <a:bevelT w="22860" h="12700"/>
+            <a:contourClr>
+              <a:srgbClr val="FFFFFF"/>
+            </a:contourClr>
+          </a:sp3d>
+        </p:spPr>
+      </p:pic>
     </p:spTree>
   </p:cSld>
   <p:clrMapOvr>
@@ -25443,6 +25654,65 @@
           <a:chExt cx="0" cy="0"/>
         </a:xfrm>
       </p:grpSpPr>
+      <p:pic>
+        <p:nvPicPr>
+          <p:cNvPr id="3" name="Picture 2" descr="A picture containing clock&#10;&#10;Description automatically generated">
+            <a:extLst>
+              <a:ext uri="{FF2B5EF4-FFF2-40B4-BE49-F238E27FC236}">
+                <a16:creationId xmlns:a16="http://schemas.microsoft.com/office/drawing/2014/main" id="{C906EBB4-0E37-4172-86FB-D9AC6384E848}"/>
+              </a:ext>
+            </a:extLst>
+          </p:cNvPr>
+          <p:cNvPicPr>
+            <a:picLocks noChangeAspect="1"/>
+          </p:cNvPicPr>
+          <p:nvPr/>
+        </p:nvPicPr>
+        <p:blipFill>
+          <a:blip r:embed="rId3"/>
+          <a:stretch>
+            <a:fillRect/>
+          </a:stretch>
+        </p:blipFill>
+        <p:spPr>
+          <a:xfrm>
+            <a:off x="5094782" y="304801"/>
+            <a:ext cx="3173845" cy="2116930"/>
+          </a:xfrm>
+          <a:prstGeom prst="rect">
+            <a:avLst/>
+          </a:prstGeom>
+          <a:solidFill>
+            <a:srgbClr val="FFFFFF">
+              <a:shade val="85000"/>
+            </a:srgbClr>
+          </a:solidFill>
+          <a:ln w="190500" cap="rnd">
+            <a:solidFill>
+              <a:srgbClr val="FFFFFF"/>
+            </a:solidFill>
+          </a:ln>
+          <a:effectLst>
+            <a:outerShdw blurRad="36195" dist="12700" dir="11400000" algn="tl" rotWithShape="0">
+              <a:srgbClr val="000000">
+                <a:alpha val="33000"/>
+              </a:srgbClr>
+            </a:outerShdw>
+          </a:effectLst>
+          <a:scene3d>
+            <a:camera prst="perspectiveContrastingLeftFacing">
+              <a:rot lat="540000" lon="2100000" rev="0"/>
+            </a:camera>
+            <a:lightRig rig="soft" dir="t"/>
+          </a:scene3d>
+          <a:sp3d contourW="12700" prstMaterial="matte">
+            <a:bevelT w="63500" h="50800"/>
+            <a:contourClr>
+              <a:srgbClr val="C0C0C0"/>
+            </a:contourClr>
+          </a:sp3d>
+        </p:spPr>
+      </p:pic>
       <p:sp>
         <p:nvSpPr>
           <p:cNvPr id="167" name="Google Shape;167;p35"/>
@@ -25638,7 +25908,7 @@
         </p:nvSpPr>
         <p:spPr>
           <a:xfrm>
-            <a:off x="457200" y="1409700"/>
+            <a:off x="465803" y="1824037"/>
             <a:ext cx="8229600" cy="2857500"/>
           </a:xfrm>
           <a:prstGeom prst="rect">
@@ -25673,31 +25943,139 @@
               <a:buChar char="•"/>
             </a:pPr>
             <a:r>
-              <a:rPr lang="en-US" dirty="0"/>
-              <a:t>The financial goal is to reduce cost by emphasizing improved health prior to any adverse conditions developing. KP wants</a:t>
+              <a:rPr lang="en-US" sz="1400" dirty="0"/>
+              <a:t>The financial goal is to reduce cost by emphasizing</a:t>
+            </a:r>
+          </a:p>
+          <a:p>
+            <a:pPr marL="0" marR="0" lvl="0" indent="0" algn="l" rtl="0">
+              <a:lnSpc>
+                <a:spcPct val="100000"/>
+              </a:lnSpc>
+              <a:spcBef>
+                <a:spcPts val="700"/>
+              </a:spcBef>
+              <a:spcAft>
+                <a:spcPts val="0"/>
+              </a:spcAft>
+              <a:buClr>
+                <a:srgbClr val="2D3D4A"/>
+              </a:buClr>
+              <a:buSzPts val="1400"/>
+              <a:buNone/>
+            </a:pPr>
+            <a:r>
+              <a:rPr lang="en-US" sz="1400" dirty="0"/>
+              <a:t> improved health prior to any adverse conditions developing.</a:t>
+            </a:r>
+          </a:p>
+          <a:p>
+            <a:pPr marL="0" marR="0" lvl="0" indent="0" algn="l" rtl="0">
+              <a:lnSpc>
+                <a:spcPct val="100000"/>
+              </a:lnSpc>
+              <a:spcBef>
+                <a:spcPts val="700"/>
+              </a:spcBef>
+              <a:spcAft>
+                <a:spcPts val="0"/>
+              </a:spcAft>
+              <a:buClr>
+                <a:srgbClr val="2D3D4A"/>
+              </a:buClr>
+              <a:buSzPts val="1400"/>
+              <a:buNone/>
+            </a:pPr>
+            <a:r>
+              <a:rPr lang="en-US" sz="1400" dirty="0"/>
+              <a:t> KP wants</a:t>
             </a:r>
             <a:r>
-              <a:rPr lang="en" dirty="0"/>
+              <a:rPr lang="en" sz="1400" dirty="0"/>
               <a:t> </a:t>
             </a:r>
             <a:r>
-              <a:rPr lang="en-US" dirty="0"/>
-              <a:t>to decrease spending on conditions such as type 2 diabetes. We never had such a mobile app in the market and hence this is a great development effort. </a:t>
+              <a:rPr lang="en-US" sz="1400" dirty="0"/>
+              <a:t>to decrease spending on conditions such as</a:t>
             </a:r>
-            <a:endParaRPr dirty="0"/>
+          </a:p>
+          <a:p>
+            <a:pPr marL="0" marR="0" lvl="0" indent="0" algn="l" rtl="0">
+              <a:lnSpc>
+                <a:spcPct val="100000"/>
+              </a:lnSpc>
+              <a:spcBef>
+                <a:spcPts val="700"/>
+              </a:spcBef>
+              <a:spcAft>
+                <a:spcPts val="0"/>
+              </a:spcAft>
+              <a:buClr>
+                <a:srgbClr val="2D3D4A"/>
+              </a:buClr>
+              <a:buSzPts val="1400"/>
+              <a:buNone/>
+            </a:pPr>
+            <a:r>
+              <a:rPr lang="en-US" sz="1400" dirty="0"/>
+              <a:t> type 2 diabetes. We never had such a mobile app</a:t>
+            </a:r>
+          </a:p>
+          <a:p>
+            <a:pPr marL="0" marR="0" lvl="0" indent="0" algn="l" rtl="0">
+              <a:lnSpc>
+                <a:spcPct val="100000"/>
+              </a:lnSpc>
+              <a:spcBef>
+                <a:spcPts val="700"/>
+              </a:spcBef>
+              <a:spcAft>
+                <a:spcPts val="0"/>
+              </a:spcAft>
+              <a:buClr>
+                <a:srgbClr val="2D3D4A"/>
+              </a:buClr>
+              <a:buSzPts val="1400"/>
+              <a:buNone/>
+            </a:pPr>
+            <a:r>
+              <a:rPr lang="en-US" sz="1400" dirty="0"/>
+              <a:t> in the market and hence this is a great development effort. </a:t>
+            </a:r>
+            <a:endParaRPr sz="1400" dirty="0"/>
           </a:p>
           <a:p>
             <a:pPr marL="114300" lvl="0" indent="-114300"/>
             <a:r>
-              <a:rPr lang="en-US" dirty="0"/>
-              <a:t>In 2018, an estimated 1.5 million new cases of diabetes were diagnosed among U.S. adults aged 18 years or older. Between 2012 and 2017, excess medical costs per person associated with diabetes increased from $8,417 to $9,601 (2017 dollars)</a:t>
+              <a:rPr lang="en-US" sz="1400" dirty="0"/>
+              <a:t>In 2018, an estimated 0.7 million new cases of diabetes were treated at KP. adults aged 18 years or older. Between 2012 and 2017, excess medical costs per person associated with diabetes increased from $8,417 to $9,601 (2017 dollars)</a:t>
             </a:r>
           </a:p>
           <a:p>
             <a:pPr marL="114300" lvl="0" indent="-114300"/>
             <a:r>
+              <a:rPr lang="en-US" sz="1400" dirty="0"/>
+              <a:t>Kaiser Permanente is one of the nation's largest not-for-profit health plans, serving 12.4 million members who could be benefitted by </a:t>
+            </a:r>
+            <a:r>
               <a:rPr lang="en-US" dirty="0"/>
-              <a:t>Kaiser Permanente is one of the nation's largest not-for-profit health plans, serving 12.4 million members who could be benefitted by the mobile app.</a:t>
+              <a:t>the mobile app.</a:t>
+            </a:r>
+          </a:p>
+          <a:p>
+            <a:pPr marL="114300" lvl="0" indent="-114300"/>
+            <a:r>
+              <a:rPr lang="en-US" sz="1400" dirty="0"/>
+              <a:t>TAM = Average revenue per user X total number of potential users in the market = 5 X 12 Million = 60 Million USD for the first 3 years of app usage.</a:t>
+            </a:r>
+          </a:p>
+          <a:p>
+            <a:pPr marL="0" lvl="0" indent="0">
+              <a:buNone/>
+            </a:pPr>
+            <a:r>
+              <a:rPr lang="en-US" sz="1400" dirty="0"/>
+              <a:t> </a:t>
             </a:r>
           </a:p>
           <a:p>
@@ -26043,7 +26421,81 @@
             </a:r>
             <a:r>
               <a:rPr lang="en-US" dirty="0"/>
-              <a:t>hasizing on improved health and preventive care. The app would address these by monitoring the patient health statistics such as weight, blood pressure, providing information on improving health by the benefits of exercising, consuming a nutrient rich diet, providing means to avoid addiction, improve sleeping habits etc. This app will be a go-to solution to the patients and act as a guide for them to improve their health. </a:t>
+              <a:t>hasizing on improved health and preventive care.</a:t>
+            </a:r>
+          </a:p>
+          <a:p>
+            <a:pPr marL="114300" marR="0" lvl="0" indent="-114300" algn="l" rtl="0">
+              <a:lnSpc>
+                <a:spcPct val="100000"/>
+              </a:lnSpc>
+              <a:spcBef>
+                <a:spcPts val="700"/>
+              </a:spcBef>
+              <a:spcAft>
+                <a:spcPts val="0"/>
+              </a:spcAft>
+              <a:buClr>
+                <a:srgbClr val="2D3D4A"/>
+              </a:buClr>
+              <a:buSzPts val="1400"/>
+              <a:buFont typeface="Cabin"/>
+              <a:buChar char="•"/>
+            </a:pPr>
+            <a:r>
+              <a:rPr lang="en-US" dirty="0"/>
+              <a:t> The app would address these by </a:t>
+            </a:r>
+          </a:p>
+          <a:p>
+            <a:pPr marL="571500" lvl="1" indent="-114300">
+              <a:buSzPts val="1400"/>
+              <a:buFont typeface="Cabin"/>
+              <a:buChar char="•"/>
+            </a:pPr>
+            <a:r>
+              <a:rPr lang="en-US" dirty="0"/>
+              <a:t>monitoring the patient health statistics such as weight, blood pressure, </a:t>
+            </a:r>
+          </a:p>
+          <a:p>
+            <a:pPr marL="571500" lvl="1" indent="-114300">
+              <a:buSzPts val="1400"/>
+              <a:buFont typeface="Cabin"/>
+              <a:buChar char="•"/>
+            </a:pPr>
+            <a:r>
+              <a:rPr lang="en-US" dirty="0"/>
+              <a:t>providing information on improving health by the benefits of exercising, consuming a nutrient rich diet, </a:t>
+            </a:r>
+          </a:p>
+          <a:p>
+            <a:pPr marL="571500" lvl="1" indent="-114300">
+              <a:buSzPts val="1400"/>
+              <a:buFont typeface="Cabin"/>
+              <a:buChar char="•"/>
+            </a:pPr>
+            <a:r>
+              <a:rPr lang="en-US" dirty="0"/>
+              <a:t>providing means to avoid addiction, </a:t>
+            </a:r>
+          </a:p>
+          <a:p>
+            <a:pPr marL="571500" lvl="1" indent="-114300">
+              <a:buSzPts val="1400"/>
+              <a:buFont typeface="Cabin"/>
+              <a:buChar char="•"/>
+            </a:pPr>
+            <a:r>
+              <a:rPr lang="en-US" dirty="0"/>
+              <a:t>improve sleeping habits etc. </a:t>
+            </a:r>
+          </a:p>
+          <a:p>
+            <a:pPr marL="114300" indent="-114300"/>
+            <a:r>
+              <a:rPr lang="en-US" dirty="0"/>
+              <a:t>This app will be a go-to solution to the patients and act as a guide for them to improve their health. </a:t>
             </a:r>
             <a:endParaRPr b="1" dirty="0"/>
           </a:p>
@@ -26177,10 +26629,10 @@
               <a:buNone/>
             </a:pPr>
             <a:r>
-              <a:rPr lang="en"/>
+              <a:rPr lang="en" dirty="0"/>
               <a:t>What can we do?</a:t>
             </a:r>
-            <a:endParaRPr sz="500"/>
+            <a:endParaRPr sz="500" dirty="0"/>
           </a:p>
         </p:txBody>
       </p:sp>
@@ -26361,18 +26813,72 @@
               <a:buChar char="•"/>
             </a:pPr>
             <a:r>
-              <a:rPr lang="en-US" dirty="0"/>
+              <a:rPr lang="en-US" sz="1200" dirty="0"/>
               <a:t>It is predicted that a huge portion of our customer base will be downloading and using our app. The cost of building the app will be huge as we are starting from scratch and entering the tech world. However, this will bring a cultural change in the company which will give it a technological advantage and edge as compared to our non-tech </a:t>
             </a:r>
             <a:r>
-              <a:rPr lang="en-US" dirty="0" err="1"/>
+              <a:rPr lang="en-US" sz="1200" dirty="0" err="1"/>
               <a:t>savy</a:t>
             </a:r>
             <a:r>
-              <a:rPr lang="en-US" dirty="0"/>
+              <a:rPr lang="en-US" sz="1200" dirty="0"/>
               <a:t> competitors. After building the framework for the app, we can use it to implement our existing solutions and products through app. Hence, the scope of the project is huge and we expect a huge ROI.</a:t>
             </a:r>
-            <a:endParaRPr dirty="0"/>
+          </a:p>
+          <a:p>
+            <a:pPr marL="114300" lvl="0" indent="-114300"/>
+            <a:r>
+              <a:rPr lang="en-US" sz="1200" dirty="0"/>
+              <a:t>Budget for the first year: </a:t>
+            </a:r>
+            <a:r>
+              <a:rPr lang="en-US" dirty="0"/>
+              <a:t>$500,000 * 3 = $15,00,000</a:t>
+            </a:r>
+          </a:p>
+          <a:p>
+            <a:pPr marL="114300" lvl="0" indent="-114300"/>
+            <a:r>
+              <a:rPr lang="en-US" sz="1200" dirty="0"/>
+              <a:t>Database:$5,000  Hosting Costs: $15,000 Development Costs: $200,000 Marketing: $100,000 Security: $5,000 Legal: $10,000 Testing Costs: $100,000 Business Analysis: $50,000 Others: $10,000 per feature, There are 3 feature team.</a:t>
+            </a:r>
+          </a:p>
+          <a:p>
+            <a:pPr marL="114300" lvl="0" indent="-114300"/>
+            <a:r>
+              <a:rPr lang="en-US" sz="1200" dirty="0"/>
+              <a:t>Developers 3, Team lead 2, Testers 3, Business Analyst 1 per team. There will be 3 feature teams. Total: 27, 1 program manager. (Salaried employees)</a:t>
+            </a:r>
+          </a:p>
+          <a:p>
+            <a:pPr marL="114300" lvl="0" indent="-114300"/>
+            <a:r>
+              <a:rPr lang="en-US" sz="1200" dirty="0"/>
+              <a:t>Expected user base in first year will be 1 Million.</a:t>
+            </a:r>
+          </a:p>
+          <a:p>
+            <a:pPr marL="114300" lvl="0" indent="-114300"/>
+            <a:r>
+              <a:rPr lang="en-US" sz="1200" dirty="0"/>
+              <a:t>Revenue per user is 5 USD. However, 50 percent user will have free access without subscription</a:t>
+            </a:r>
+          </a:p>
+          <a:p>
+            <a:pPr marL="114300" lvl="0" indent="-114300"/>
+            <a:r>
+              <a:rPr lang="en-US" dirty="0"/>
+              <a:t> </a:t>
+            </a:r>
+            <a:r>
+              <a:rPr lang="en-US" sz="1200" b="1" dirty="0"/>
+              <a:t>ROI</a:t>
+            </a:r>
+            <a:r>
+              <a:rPr lang="en-US" sz="1200" dirty="0"/>
+              <a:t> = Net Profit / Total Investment * 100, here -&gt;  500000 * 5 / 1500000 percent = 166.66% (in mobile world)</a:t>
+            </a:r>
+            <a:endParaRPr sz="1000" dirty="0"/>
           </a:p>
           <a:p>
             <a:pPr marL="0" marR="0" lvl="0" indent="0" algn="ctr" rtl="0">
@@ -26668,7 +27174,7 @@
         </p:nvSpPr>
         <p:spPr>
           <a:xfrm>
-            <a:off x="457200" y="1409700"/>
+            <a:off x="508703" y="1371749"/>
             <a:ext cx="8229600" cy="2857500"/>
           </a:xfrm>
           <a:prstGeom prst="rect">
@@ -26685,7 +27191,7 @@
           </a:bodyPr>
           <a:lstStyle/>
           <a:p>
-            <a:pPr marL="114300" marR="0" lvl="0" indent="-114300" algn="l" rtl="0">
+            <a:pPr marL="0" marR="0" lvl="0" indent="0" algn="l" rtl="0">
               <a:lnSpc>
                 <a:spcPct val="100000"/>
               </a:lnSpc>
@@ -26699,14 +27205,71 @@
                 <a:srgbClr val="2D3D4A"/>
               </a:buClr>
               <a:buSzPts val="1400"/>
-              <a:buFont typeface="Cabin"/>
-              <a:buChar char="•"/>
+              <a:buNone/>
             </a:pPr>
             <a:r>
               <a:rPr lang="en-US" dirty="0"/>
               <a:t>We will measure the success of the application by the number of downloads and the increase in the customer base who are benefitting by using the app. The goal of the first year is to deliver a user-friendly app and get positive feedback from the patients about the app. </a:t>
             </a:r>
-            <a:endParaRPr b="1" dirty="0"/>
+          </a:p>
+          <a:p>
+            <a:pPr marL="0" marR="0" lvl="0" indent="0" algn="l" rtl="0">
+              <a:lnSpc>
+                <a:spcPct val="100000"/>
+              </a:lnSpc>
+              <a:spcBef>
+                <a:spcPts val="700"/>
+              </a:spcBef>
+              <a:spcAft>
+                <a:spcPts val="0"/>
+              </a:spcAft>
+              <a:buClr>
+                <a:srgbClr val="2D3D4A"/>
+              </a:buClr>
+              <a:buSzPts val="1400"/>
+              <a:buNone/>
+            </a:pPr>
+            <a:r>
+              <a:rPr lang="en-US" b="1" dirty="0"/>
+              <a:t>i.e.</a:t>
+            </a:r>
+          </a:p>
+          <a:p>
+            <a:pPr marL="0" lvl="0" indent="0">
+              <a:buNone/>
+            </a:pPr>
+            <a:r>
+              <a:rPr lang="en-US" dirty="0"/>
+              <a:t>App Store Ratings</a:t>
+            </a:r>
+          </a:p>
+          <a:p>
+            <a:pPr marL="0" lvl="0" indent="0">
+              <a:buNone/>
+            </a:pPr>
+            <a:r>
+              <a:rPr lang="en-US" dirty="0"/>
+              <a:t>Number of new Users</a:t>
+            </a:r>
+          </a:p>
+          <a:p>
+            <a:pPr marL="0" lvl="0" indent="0">
+              <a:buNone/>
+            </a:pPr>
+            <a:r>
+              <a:rPr lang="en-US" dirty="0"/>
+              <a:t>Reduction in number of patient cases and correlation to app usage</a:t>
+            </a:r>
+          </a:p>
+          <a:p>
+            <a:pPr marL="0" lvl="0" indent="0">
+              <a:buNone/>
+            </a:pPr>
+            <a:r>
+              <a:rPr lang="en-US" dirty="0"/>
+              <a:t>Positive Feedback for the app</a:t>
+            </a:r>
+            <a:endParaRPr dirty="0"/>
           </a:p>
         </p:txBody>
       </p:sp>
